--- a/雷射切割_教學講義/雷切講義.pptx
+++ b/雷射切割_教學講義/雷切講義.pptx
@@ -146,7 +146,7 @@
       <p15:sldGuideLst xmlns:p15="http://schemas.microsoft.com/office/powerpoint/2012/main"/>
     </p:ext>
     <p:ext uri="GoogleSlidesCustomDataVersion2">
-      <go:slidesCustomData xmlns="" xmlns:mc="http://schemas.openxmlformats.org/markup-compatibility/2006" xmlns:mv="urn:schemas-microsoft-com:mac:vml" xmlns:c="http://schemas.openxmlformats.org/drawingml/2006/chart" xmlns:dgm="http://schemas.openxmlformats.org/drawingml/2006/diagram" xmlns:o="urn:schemas-microsoft-com:office:office" xmlns:v="urn:schemas-microsoft-com:vml" xmlns:pvml="urn:schemas-microsoft-com:office:powerpoint" xmlns:com="http://schemas.openxmlformats.org/drawingml/2006/compatibility" xmlns:p14="http://schemas.microsoft.com/office/powerpoint/2010/main" xmlns:p15="http://schemas.microsoft.com/office/powerpoint/2012/main" xmlns:ahyp="http://schemas.microsoft.com/office/drawing/2018/hyperlinkcolor" xmlns:go="http://customooxmlschemas.google.com/" r:id="rId38" roundtripDataSignature="AMtx7mhjc+yaLgGtkDdnlO6icgogdWR7jg=="/>
+      <go:slidesCustomData xmlns:go="http://customooxmlschemas.google.com/" xmlns:ahyp="http://schemas.microsoft.com/office/drawing/2018/hyperlinkcolor" xmlns:p15="http://schemas.microsoft.com/office/powerpoint/2012/main" xmlns:p14="http://schemas.microsoft.com/office/powerpoint/2010/main" xmlns:com="http://schemas.openxmlformats.org/drawingml/2006/compatibility" xmlns:pvml="urn:schemas-microsoft-com:office:powerpoint" xmlns:v="urn:schemas-microsoft-com:vml" xmlns:o="urn:schemas-microsoft-com:office:office" xmlns:dgm="http://schemas.openxmlformats.org/drawingml/2006/diagram" xmlns:c="http://schemas.openxmlformats.org/drawingml/2006/chart" xmlns:mv="urn:schemas-microsoft-com:mac:vml" xmlns:mc="http://schemas.openxmlformats.org/markup-compatibility/2006" xmlns="" r:id="rId38" roundtripDataSignature="AMtx7mhjc+yaLgGtkDdnlO6icgogdWR7jg=="/>
     </p:ext>
   </p:extLst>
 </p:presentation>
@@ -8787,6 +8787,43 @@
           </a:fontRef>
         </p:style>
       </p:cxnSp>
+      <p:sp>
+        <p:nvSpPr>
+          <p:cNvPr id="2" name="矩形 1">
+            <a:extLst>
+              <a:ext uri="{FF2B5EF4-FFF2-40B4-BE49-F238E27FC236}">
+                <a16:creationId xmlns:a16="http://schemas.microsoft.com/office/drawing/2014/main" id="{086655FD-0F61-413E-A376-41BA2CA43751}"/>
+              </a:ext>
+            </a:extLst>
+          </p:cNvPr>
+          <p:cNvSpPr/>
+          <p:nvPr/>
+        </p:nvSpPr>
+        <p:spPr>
+          <a:xfrm>
+            <a:off x="1031875" y="121733"/>
+            <a:ext cx="11047109" cy="523220"/>
+          </a:xfrm>
+          <a:prstGeom prst="rect">
+            <a:avLst/>
+          </a:prstGeom>
+        </p:spPr>
+        <p:txBody>
+          <a:bodyPr wrap="square">
+            <a:spAutoFit/>
+          </a:bodyPr>
+          <a:lstStyle/>
+          <a:p>
+            <a:r>
+              <a:rPr lang="zh-TW" altLang="en-US" sz="2800" dirty="0">
+                <a:latin typeface="微軟正黑體" panose="020B0604030504040204" pitchFamily="34" charset="-120"/>
+                <a:ea typeface="微軟正黑體" panose="020B0604030504040204" pitchFamily="34" charset="-120"/>
+              </a:rPr>
+              <a:t>教學檔案位置：https://github.com/N26120430/Openlab.git</a:t>
+            </a:r>
+          </a:p>
+        </p:txBody>
+      </p:sp>
     </p:spTree>
   </p:cSld>
   <p:clrMapOvr>
